--- a/docs/resources/UI Tutorial - Swing.pptx
+++ b/docs/resources/UI Tutorial - Swing.pptx
@@ -236,7 +236,7 @@
           <a:p>
             <a:fld id="{F1BC00D6-B452-E34D-9410-86C55CD31D3F}" type="datetimeFigureOut">
               <a:rPr lang="en-US" smtClean="0"/>
-              <a:t>2/14/17</a:t>
+              <a:t>2/15/17</a:t>
             </a:fld>
             <a:endParaRPr lang="en-US"/>
           </a:p>
@@ -1475,7 +1475,7 @@
           <a:p>
             <a:fld id="{88066DB2-B83B-3341-9396-5658545182FD}" type="datetimeFigureOut">
               <a:rPr lang="en-US" smtClean="0"/>
-              <a:t>2/14/17</a:t>
+              <a:t>2/15/17</a:t>
             </a:fld>
             <a:endParaRPr lang="en-US"/>
           </a:p>
@@ -1645,7 +1645,7 @@
           <a:p>
             <a:fld id="{88066DB2-B83B-3341-9396-5658545182FD}" type="datetimeFigureOut">
               <a:rPr lang="en-US" smtClean="0"/>
-              <a:t>2/14/17</a:t>
+              <a:t>2/15/17</a:t>
             </a:fld>
             <a:endParaRPr lang="en-US"/>
           </a:p>
@@ -1825,7 +1825,7 @@
           <a:p>
             <a:fld id="{88066DB2-B83B-3341-9396-5658545182FD}" type="datetimeFigureOut">
               <a:rPr lang="en-US" smtClean="0"/>
-              <a:t>2/14/17</a:t>
+              <a:t>2/15/17</a:t>
             </a:fld>
             <a:endParaRPr lang="en-US"/>
           </a:p>
@@ -1995,7 +1995,7 @@
           <a:p>
             <a:fld id="{88066DB2-B83B-3341-9396-5658545182FD}" type="datetimeFigureOut">
               <a:rPr lang="en-US" smtClean="0"/>
-              <a:t>2/14/17</a:t>
+              <a:t>2/15/17</a:t>
             </a:fld>
             <a:endParaRPr lang="en-US"/>
           </a:p>
@@ -2241,7 +2241,7 @@
           <a:p>
             <a:fld id="{88066DB2-B83B-3341-9396-5658545182FD}" type="datetimeFigureOut">
               <a:rPr lang="en-US" smtClean="0"/>
-              <a:t>2/14/17</a:t>
+              <a:t>2/15/17</a:t>
             </a:fld>
             <a:endParaRPr lang="en-US"/>
           </a:p>
@@ -2473,7 +2473,7 @@
           <a:p>
             <a:fld id="{88066DB2-B83B-3341-9396-5658545182FD}" type="datetimeFigureOut">
               <a:rPr lang="en-US" smtClean="0"/>
-              <a:t>2/14/17</a:t>
+              <a:t>2/15/17</a:t>
             </a:fld>
             <a:endParaRPr lang="en-US"/>
           </a:p>
@@ -2840,7 +2840,7 @@
           <a:p>
             <a:fld id="{88066DB2-B83B-3341-9396-5658545182FD}" type="datetimeFigureOut">
               <a:rPr lang="en-US" smtClean="0"/>
-              <a:t>2/14/17</a:t>
+              <a:t>2/15/17</a:t>
             </a:fld>
             <a:endParaRPr lang="en-US"/>
           </a:p>
@@ -2958,7 +2958,7 @@
           <a:p>
             <a:fld id="{88066DB2-B83B-3341-9396-5658545182FD}" type="datetimeFigureOut">
               <a:rPr lang="en-US" smtClean="0"/>
-              <a:t>2/14/17</a:t>
+              <a:t>2/15/17</a:t>
             </a:fld>
             <a:endParaRPr lang="en-US"/>
           </a:p>
@@ -3053,7 +3053,7 @@
           <a:p>
             <a:fld id="{88066DB2-B83B-3341-9396-5658545182FD}" type="datetimeFigureOut">
               <a:rPr lang="en-US" smtClean="0"/>
-              <a:t>2/14/17</a:t>
+              <a:t>2/15/17</a:t>
             </a:fld>
             <a:endParaRPr lang="en-US"/>
           </a:p>
@@ -3330,7 +3330,7 @@
           <a:p>
             <a:fld id="{88066DB2-B83B-3341-9396-5658545182FD}" type="datetimeFigureOut">
               <a:rPr lang="en-US" smtClean="0"/>
-              <a:t>2/14/17</a:t>
+              <a:t>2/15/17</a:t>
             </a:fld>
             <a:endParaRPr lang="en-US"/>
           </a:p>
@@ -3583,7 +3583,7 @@
           <a:p>
             <a:fld id="{88066DB2-B83B-3341-9396-5658545182FD}" type="datetimeFigureOut">
               <a:rPr lang="en-US" smtClean="0"/>
-              <a:t>2/14/17</a:t>
+              <a:t>2/15/17</a:t>
             </a:fld>
             <a:endParaRPr lang="en-US"/>
           </a:p>
@@ -3796,7 +3796,7 @@
           <a:p>
             <a:fld id="{88066DB2-B83B-3341-9396-5658545182FD}" type="datetimeFigureOut">
               <a:rPr lang="en-US" smtClean="0"/>
-              <a:t>2/14/17</a:t>
+              <a:t>2/15/17</a:t>
             </a:fld>
             <a:endParaRPr lang="en-US"/>
           </a:p>
@@ -4218,15 +4218,7 @@
           <a:p>
             <a:r>
               <a:rPr lang="en-US" dirty="0" smtClean="0"/>
-              <a:t>UI Tutorial </a:t>
-            </a:r>
-            <a:r>
-              <a:rPr lang="en-US" dirty="0" smtClean="0"/>
-              <a:t>2</a:t>
-            </a:r>
-            <a:r>
-              <a:rPr lang="en-US" dirty="0" smtClean="0"/>
-              <a:t/>
+              <a:t>UI Tutorial 2</a:t>
             </a:r>
             <a:br>
               <a:rPr lang="en-US" dirty="0" smtClean="0"/>
@@ -5116,11 +5108,7 @@
           <a:p>
             <a:r>
               <a:rPr lang="en-US" dirty="0" smtClean="0"/>
-              <a:t>Java / Swing </a:t>
-            </a:r>
-            <a:r>
-              <a:rPr lang="en-US" dirty="0" smtClean="0"/>
-              <a:t>Data Flow </a:t>
+              <a:t>Java / Swing Data Flow </a:t>
             </a:r>
             <a:r>
               <a:rPr lang="en-US" dirty="0"/>
@@ -5186,11 +5174,7 @@
             </a:r>
             <a:r>
               <a:rPr lang="en-US" dirty="0" smtClean="0"/>
-              <a:t> before it </a:t>
-            </a:r>
-            <a:r>
-              <a:rPr lang="en-US" dirty="0" smtClean="0"/>
-              <a:t>can be passed into </a:t>
+              <a:t> before it can be passed into </a:t>
             </a:r>
             <a:r>
               <a:rPr lang="en-US" dirty="0" err="1" smtClean="0"/>
@@ -5561,11 +5545,7 @@
           <a:p>
             <a:r>
               <a:rPr lang="en-US" dirty="0" smtClean="0"/>
-              <a:t>Java / Swing </a:t>
-            </a:r>
-            <a:r>
-              <a:rPr lang="en-US" dirty="0" smtClean="0"/>
-              <a:t>Data Flow </a:t>
+              <a:t>Java / Swing Data Flow </a:t>
             </a:r>
             <a:r>
               <a:rPr lang="en-US" dirty="0"/>
@@ -5735,7 +5715,6 @@
               <a:rPr lang="en-US" dirty="0" smtClean="0"/>
               <a:t> as an instantiation parameter.</a:t>
             </a:r>
-            <a:endParaRPr lang="en-US" dirty="0" smtClean="0"/>
           </a:p>
         </p:txBody>
       </p:sp>
@@ -6029,11 +6008,7 @@
           <a:p>
             <a:r>
               <a:rPr lang="en-US" dirty="0" smtClean="0"/>
-              <a:t>Java / Swing </a:t>
-            </a:r>
-            <a:r>
-              <a:rPr lang="en-US" dirty="0" smtClean="0"/>
-              <a:t>Data Flow </a:t>
+              <a:t>Java / Swing Data Flow </a:t>
             </a:r>
             <a:r>
               <a:rPr lang="en-US" dirty="0"/>
@@ -6635,7 +6610,9 @@
           </a:xfrm>
         </p:spPr>
         <p:txBody>
-          <a:bodyPr/>
+          <a:bodyPr>
+            <a:normAutofit lnSpcReduction="10000"/>
+          </a:bodyPr>
           <a:lstStyle/>
           <a:p>
             <a:pPr marL="0" indent="0">
@@ -6677,6 +6654,52 @@
               </a:rPr>
               <a:t>.</a:t>
             </a:r>
+          </a:p>
+          <a:p>
+            <a:pPr marL="0" indent="0">
+              <a:lnSpc>
+                <a:spcPct val="100000"/>
+              </a:lnSpc>
+              <a:spcBef>
+                <a:spcPts val="0"/>
+              </a:spcBef>
+              <a:buNone/>
+            </a:pPr>
+            <a:endParaRPr lang="en-US" sz="2000" dirty="0">
+              <a:sym typeface="Wingdings"/>
+            </a:endParaRPr>
+          </a:p>
+          <a:p>
+            <a:pPr marL="0" indent="0">
+              <a:lnSpc>
+                <a:spcPct val="100000"/>
+              </a:lnSpc>
+              <a:spcBef>
+                <a:spcPts val="0"/>
+              </a:spcBef>
+              <a:buNone/>
+            </a:pPr>
+            <a:r>
+              <a:rPr lang="en-US" sz="2000" dirty="0" smtClean="0">
+                <a:sym typeface="Wingdings"/>
+              </a:rPr>
+              <a:t>To enable callback, we define an interface that </a:t>
+            </a:r>
+            <a:r>
+              <a:rPr lang="en-US" sz="2000" dirty="0" err="1" smtClean="0">
+                <a:sym typeface="Wingdings"/>
+              </a:rPr>
+              <a:t>StatusSearch</a:t>
+            </a:r>
+            <a:r>
+              <a:rPr lang="en-US" sz="2000" dirty="0" smtClean="0">
+                <a:sym typeface="Wingdings"/>
+              </a:rPr>
+              <a:t> will implement.</a:t>
+            </a:r>
+            <a:endParaRPr lang="en-US" sz="2000" dirty="0" smtClean="0">
+              <a:sym typeface="Wingdings"/>
+            </a:endParaRPr>
           </a:p>
           <a:p>
             <a:pPr marL="0" indent="0">
@@ -6866,11 +6889,7 @@
           <a:p>
             <a:r>
               <a:rPr lang="en-US" dirty="0" smtClean="0"/>
-              <a:t>Java / Swing </a:t>
-            </a:r>
-            <a:r>
-              <a:rPr lang="en-US" dirty="0" smtClean="0"/>
-              <a:t>Data Flow </a:t>
+              <a:t>Java / Swing Data Flow </a:t>
             </a:r>
             <a:r>
               <a:rPr lang="en-US" dirty="0"/>
@@ -7569,11 +7588,7 @@
           <a:p>
             <a:r>
               <a:rPr lang="en-US" dirty="0" smtClean="0"/>
-              <a:t>Java / Swing </a:t>
-            </a:r>
-            <a:r>
-              <a:rPr lang="en-US" dirty="0" smtClean="0"/>
-              <a:t>Data Flow </a:t>
+              <a:t>Java / Swing Data Flow </a:t>
             </a:r>
             <a:r>
               <a:rPr lang="en-US" dirty="0"/>
@@ -7847,11 +7862,7 @@
           <a:p>
             <a:r>
               <a:rPr lang="en-US" dirty="0" smtClean="0"/>
-              <a:t>Java / Swing </a:t>
-            </a:r>
-            <a:r>
-              <a:rPr lang="en-US" dirty="0" smtClean="0"/>
-              <a:t>Data Flow </a:t>
+              <a:t>Java / Swing Data Flow </a:t>
             </a:r>
             <a:r>
               <a:rPr lang="en-US" dirty="0"/>
@@ -8299,7 +8310,15 @@
             </a:r>
             <a:r>
               <a:rPr lang="en-US" dirty="0" smtClean="0"/>
-              <a:t>, we can use it’s methods directly to update status data.</a:t>
+              <a:t>, we can use </a:t>
+            </a:r>
+            <a:r>
+              <a:rPr lang="en-US" dirty="0" smtClean="0"/>
+              <a:t>its </a:t>
+            </a:r>
+            <a:r>
+              <a:rPr lang="en-US" dirty="0" smtClean="0"/>
+              <a:t>methods directly to update status data.</a:t>
             </a:r>
             <a:endParaRPr lang="en-US" dirty="0"/>
           </a:p>
@@ -8359,11 +8378,7 @@
           <a:p>
             <a:r>
               <a:rPr lang="en-US" dirty="0" smtClean="0"/>
-              <a:t>Java / Swing </a:t>
-            </a:r>
-            <a:r>
-              <a:rPr lang="en-US" dirty="0" smtClean="0"/>
-              <a:t>Data Flow </a:t>
+              <a:t>Java / Swing Data Flow </a:t>
             </a:r>
             <a:r>
               <a:rPr lang="en-US" dirty="0"/>
@@ -8414,7 +8429,7 @@
         </p:nvSpPr>
         <p:spPr>
           <a:xfrm>
-            <a:off x="6960096" y="1921886"/>
+            <a:off x="6960096" y="2466762"/>
             <a:ext cx="4699621" cy="1754326"/>
           </a:xfrm>
           <a:prstGeom prst="rect">
@@ -8784,12 +8799,8 @@
               <a:t>Though our UI design and implementation has so far </a:t>
             </a:r>
             <a:r>
-              <a:rPr lang="en-US" dirty="0" err="1" smtClean="0"/>
-              <a:t>mimiced</a:t>
-            </a:r>
-            <a:r>
-              <a:rPr lang="en-US" dirty="0"/>
-              <a:t> </a:t>
+              <a:rPr lang="en-US" dirty="0" smtClean="0"/>
+              <a:t>mimicked </a:t>
             </a:r>
             <a:r>
               <a:rPr lang="en-US" dirty="0" smtClean="0"/>
@@ -9533,8 +9544,8 @@
         </p:nvSpPr>
         <p:spPr>
           <a:xfrm>
-            <a:off x="5015880" y="4149080"/>
-            <a:ext cx="5928798" cy="1477328"/>
+            <a:off x="4799856" y="4188242"/>
+            <a:ext cx="5928798" cy="1938992"/>
           </a:xfrm>
           <a:prstGeom prst="rect">
             <a:avLst/>
@@ -9548,25 +9559,25 @@
           <a:lstStyle/>
           <a:p>
             <a:r>
-              <a:rPr lang="en-US" dirty="0" smtClean="0"/>
+              <a:rPr lang="en-US" sz="2000" dirty="0" smtClean="0"/>
               <a:t>This class must reflect the EXACT names of your JSON object names, including case. </a:t>
             </a:r>
-            <a:endParaRPr lang="en-US" dirty="0"/>
-          </a:p>
-          <a:p>
-            <a:endParaRPr lang="en-US" dirty="0" smtClean="0"/>
-          </a:p>
-          <a:p>
-            <a:r>
-              <a:rPr lang="en-US" dirty="0" smtClean="0"/>
+            <a:endParaRPr lang="en-US" sz="2000" dirty="0"/>
+          </a:p>
+          <a:p>
+            <a:endParaRPr lang="en-US" sz="2000" dirty="0" smtClean="0"/>
+          </a:p>
+          <a:p>
+            <a:r>
+              <a:rPr lang="en-US" sz="2000" dirty="0" smtClean="0"/>
               <a:t>GSON will use this class as a template for converting JSON to instances of Java classes </a:t>
             </a:r>
             <a:r>
-              <a:rPr lang="mr-IN" dirty="0" smtClean="0"/>
+              <a:rPr lang="mr-IN" sz="2000" dirty="0" smtClean="0"/>
               <a:t>–</a:t>
             </a:r>
             <a:r>
-              <a:rPr lang="en-US" dirty="0" smtClean="0"/>
+              <a:rPr lang="en-US" sz="2000" dirty="0" smtClean="0"/>
               <a:t> very handy.</a:t>
             </a:r>
           </a:p>
@@ -12270,6 +12281,7 @@
             <a:prstGeom prst="line">
               <a:avLst/>
             </a:prstGeom>
+            <a:ln w="12700"/>
           </p:spPr>
           <p:style>
             <a:lnRef idx="3">
@@ -12300,6 +12312,7 @@
             <a:prstGeom prst="line">
               <a:avLst/>
             </a:prstGeom>
+            <a:ln w="12700"/>
           </p:spPr>
           <p:style>
             <a:lnRef idx="3">
@@ -12330,6 +12343,7 @@
             <a:prstGeom prst="line">
               <a:avLst/>
             </a:prstGeom>
+            <a:ln w="12700"/>
           </p:spPr>
           <p:style>
             <a:lnRef idx="3">
@@ -12360,6 +12374,7 @@
             <a:prstGeom prst="line">
               <a:avLst/>
             </a:prstGeom>
+            <a:ln w="12700"/>
           </p:spPr>
           <p:style>
             <a:lnRef idx="3">
@@ -12392,6 +12407,7 @@
             <a:prstGeom prst="line">
               <a:avLst/>
             </a:prstGeom>
+            <a:ln w="12700"/>
           </p:spPr>
           <p:style>
             <a:lnRef idx="3">
@@ -12688,11 +12704,7 @@
             <a:p>
               <a:r>
                 <a:rPr lang="en-US" dirty="0" smtClean="0"/>
-                <a:t>callback(name</a:t>
-              </a:r>
-              <a:r>
-                <a:rPr lang="en-US" dirty="0" smtClean="0"/>
-                <a:t>)</a:t>
+                <a:t>callback(name)</a:t>
               </a:r>
             </a:p>
             <a:p>
@@ -13391,11 +13403,7 @@
           <a:p>
             <a:r>
               <a:rPr lang="en-US" sz="2800" dirty="0" smtClean="0"/>
-              <a:t>Submission on OWL Due Friday </a:t>
-            </a:r>
-            <a:r>
-              <a:rPr lang="en-US" sz="2800" dirty="0" smtClean="0"/>
-              <a:t>Wed March 8</a:t>
+              <a:t>Submission on OWL Due Friday Wed March 8</a:t>
             </a:r>
             <a:r>
               <a:rPr lang="en-US" sz="2800" baseline="30000" dirty="0" smtClean="0"/>
@@ -13403,11 +13411,7 @@
             </a:r>
             <a:r>
               <a:rPr lang="en-US" sz="2800" dirty="0" smtClean="0"/>
-              <a:t> at </a:t>
-            </a:r>
-            <a:r>
-              <a:rPr lang="en-US" sz="2800" dirty="0" smtClean="0"/>
-              <a:t>11:55pm</a:t>
+              <a:t> at 11:55pm</a:t>
             </a:r>
           </a:p>
           <a:p>
@@ -13417,15 +13421,7 @@
             </a:pPr>
             <a:r>
               <a:rPr lang="en-US" sz="2800" dirty="0" smtClean="0"/>
-              <a:t>Submit a single </a:t>
-            </a:r>
-            <a:r>
-              <a:rPr lang="en-US" sz="2800" dirty="0" smtClean="0"/>
-              <a:t>Java file </a:t>
-            </a:r>
-            <a:r>
-              <a:rPr lang="en-US" sz="2800" dirty="0" smtClean="0"/>
-              <a:t>called </a:t>
+              <a:t>Submit a single Java file called </a:t>
             </a:r>
             <a:r>
               <a:rPr lang="en-US" sz="2800" b="1" dirty="0" err="1" smtClean="0"/>
@@ -13449,7 +13445,6 @@
               <a:rPr lang="en-US" sz="2800" dirty="0" smtClean="0"/>
               <a:t>Must be compatible with example project from GitHub</a:t>
             </a:r>
-            <a:endParaRPr lang="en-US" sz="2800" dirty="0" smtClean="0"/>
           </a:p>
         </p:txBody>
       </p:sp>

--- a/docs/resources/UI Tutorial - Swing.pptx
+++ b/docs/resources/UI Tutorial - Swing.pptx
@@ -236,7 +236,7 @@
           <a:p>
             <a:fld id="{F1BC00D6-B452-E34D-9410-86C55CD31D3F}" type="datetimeFigureOut">
               <a:rPr lang="en-US" smtClean="0"/>
-              <a:t>2/15/17</a:t>
+              <a:t>2/17/17</a:t>
             </a:fld>
             <a:endParaRPr lang="en-US"/>
           </a:p>
@@ -1475,7 +1475,7 @@
           <a:p>
             <a:fld id="{88066DB2-B83B-3341-9396-5658545182FD}" type="datetimeFigureOut">
               <a:rPr lang="en-US" smtClean="0"/>
-              <a:t>2/15/17</a:t>
+              <a:t>2/17/17</a:t>
             </a:fld>
             <a:endParaRPr lang="en-US"/>
           </a:p>
@@ -1645,7 +1645,7 @@
           <a:p>
             <a:fld id="{88066DB2-B83B-3341-9396-5658545182FD}" type="datetimeFigureOut">
               <a:rPr lang="en-US" smtClean="0"/>
-              <a:t>2/15/17</a:t>
+              <a:t>2/17/17</a:t>
             </a:fld>
             <a:endParaRPr lang="en-US"/>
           </a:p>
@@ -1825,7 +1825,7 @@
           <a:p>
             <a:fld id="{88066DB2-B83B-3341-9396-5658545182FD}" type="datetimeFigureOut">
               <a:rPr lang="en-US" smtClean="0"/>
-              <a:t>2/15/17</a:t>
+              <a:t>2/17/17</a:t>
             </a:fld>
             <a:endParaRPr lang="en-US"/>
           </a:p>
@@ -1995,7 +1995,7 @@
           <a:p>
             <a:fld id="{88066DB2-B83B-3341-9396-5658545182FD}" type="datetimeFigureOut">
               <a:rPr lang="en-US" smtClean="0"/>
-              <a:t>2/15/17</a:t>
+              <a:t>2/17/17</a:t>
             </a:fld>
             <a:endParaRPr lang="en-US"/>
           </a:p>
@@ -2241,7 +2241,7 @@
           <a:p>
             <a:fld id="{88066DB2-B83B-3341-9396-5658545182FD}" type="datetimeFigureOut">
               <a:rPr lang="en-US" smtClean="0"/>
-              <a:t>2/15/17</a:t>
+              <a:t>2/17/17</a:t>
             </a:fld>
             <a:endParaRPr lang="en-US"/>
           </a:p>
@@ -2473,7 +2473,7 @@
           <a:p>
             <a:fld id="{88066DB2-B83B-3341-9396-5658545182FD}" type="datetimeFigureOut">
               <a:rPr lang="en-US" smtClean="0"/>
-              <a:t>2/15/17</a:t>
+              <a:t>2/17/17</a:t>
             </a:fld>
             <a:endParaRPr lang="en-US"/>
           </a:p>
@@ -2840,7 +2840,7 @@
           <a:p>
             <a:fld id="{88066DB2-B83B-3341-9396-5658545182FD}" type="datetimeFigureOut">
               <a:rPr lang="en-US" smtClean="0"/>
-              <a:t>2/15/17</a:t>
+              <a:t>2/17/17</a:t>
             </a:fld>
             <a:endParaRPr lang="en-US"/>
           </a:p>
@@ -2958,7 +2958,7 @@
           <a:p>
             <a:fld id="{88066DB2-B83B-3341-9396-5658545182FD}" type="datetimeFigureOut">
               <a:rPr lang="en-US" smtClean="0"/>
-              <a:t>2/15/17</a:t>
+              <a:t>2/17/17</a:t>
             </a:fld>
             <a:endParaRPr lang="en-US"/>
           </a:p>
@@ -3053,7 +3053,7 @@
           <a:p>
             <a:fld id="{88066DB2-B83B-3341-9396-5658545182FD}" type="datetimeFigureOut">
               <a:rPr lang="en-US" smtClean="0"/>
-              <a:t>2/15/17</a:t>
+              <a:t>2/17/17</a:t>
             </a:fld>
             <a:endParaRPr lang="en-US"/>
           </a:p>
@@ -3330,7 +3330,7 @@
           <a:p>
             <a:fld id="{88066DB2-B83B-3341-9396-5658545182FD}" type="datetimeFigureOut">
               <a:rPr lang="en-US" smtClean="0"/>
-              <a:t>2/15/17</a:t>
+              <a:t>2/17/17</a:t>
             </a:fld>
             <a:endParaRPr lang="en-US"/>
           </a:p>
@@ -3583,7 +3583,7 @@
           <a:p>
             <a:fld id="{88066DB2-B83B-3341-9396-5658545182FD}" type="datetimeFigureOut">
               <a:rPr lang="en-US" smtClean="0"/>
-              <a:t>2/15/17</a:t>
+              <a:t>2/17/17</a:t>
             </a:fld>
             <a:endParaRPr lang="en-US"/>
           </a:p>
@@ -3796,7 +3796,7 @@
           <a:p>
             <a:fld id="{88066DB2-B83B-3341-9396-5658545182FD}" type="datetimeFigureOut">
               <a:rPr lang="en-US" smtClean="0"/>
-              <a:t>2/15/17</a:t>
+              <a:t>2/17/17</a:t>
             </a:fld>
             <a:endParaRPr lang="en-US"/>
           </a:p>
@@ -6697,9 +6697,6 @@
               </a:rPr>
               <a:t> will implement.</a:t>
             </a:r>
-            <a:endParaRPr lang="en-US" sz="2000" dirty="0" smtClean="0">
-              <a:sym typeface="Wingdings"/>
-            </a:endParaRPr>
           </a:p>
           <a:p>
             <a:pPr marL="0" indent="0">
@@ -8310,15 +8307,7 @@
             </a:r>
             <a:r>
               <a:rPr lang="en-US" dirty="0" smtClean="0"/>
-              <a:t>, we can use </a:t>
-            </a:r>
-            <a:r>
-              <a:rPr lang="en-US" dirty="0" smtClean="0"/>
-              <a:t>its </a:t>
-            </a:r>
-            <a:r>
-              <a:rPr lang="en-US" dirty="0" smtClean="0"/>
-              <a:t>methods directly to update status data.</a:t>
+              <a:t>, we can use its methods directly to update status data.</a:t>
             </a:r>
             <a:endParaRPr lang="en-US" dirty="0"/>
           </a:p>
@@ -8796,15 +8785,7 @@
             </a:pPr>
             <a:r>
               <a:rPr lang="en-US" dirty="0" smtClean="0"/>
-              <a:t>Though our UI design and implementation has so far </a:t>
-            </a:r>
-            <a:r>
-              <a:rPr lang="en-US" dirty="0" smtClean="0"/>
-              <a:t>mimicked </a:t>
-            </a:r>
-            <a:r>
-              <a:rPr lang="en-US" dirty="0" smtClean="0"/>
-              <a:t>our React UI quite closely, we still have not addressed a large issue: aside from </a:t>
+              <a:t>Though our UI design and implementation has so far mimicked our React UI quite closely, we still have not addressed a large issue: aside from </a:t>
             </a:r>
             <a:r>
               <a:rPr lang="en-US" dirty="0" err="1" smtClean="0"/>
@@ -13403,7 +13384,19 @@
           <a:p>
             <a:r>
               <a:rPr lang="en-US" sz="2800" dirty="0" smtClean="0"/>
-              <a:t>Submission on OWL Due Friday Wed March 8</a:t>
+              <a:t>Submission on OWL </a:t>
+            </a:r>
+            <a:r>
+              <a:rPr lang="en-US" sz="2800" smtClean="0"/>
+              <a:t>Due </a:t>
+            </a:r>
+            <a:r>
+              <a:rPr lang="en-US" sz="2800" smtClean="0"/>
+              <a:t>Wed </a:t>
+            </a:r>
+            <a:r>
+              <a:rPr lang="en-US" sz="2800" dirty="0" smtClean="0"/>
+              <a:t>March 8</a:t>
             </a:r>
             <a:r>
               <a:rPr lang="en-US" sz="2800" baseline="30000" dirty="0" smtClean="0"/>
